--- a/Network-Security/Module_0 Introduction/NetSec Module 0 -- McCumberCube.pptx
+++ b/Network-Security/Module_0 Introduction/NetSec Module 0 -- McCumberCube.pptx
@@ -21,7 +21,7 @@
     <p:sldId id="320" r:id="rId12"/>
     <p:sldId id="334" r:id="rId13"/>
     <p:sldId id="335" r:id="rId14"/>
-    <p:sldId id="333" r:id="rId15"/>
+    <p:sldId id="336" r:id="rId15"/>
   </p:sldIdLst>
   <p:sldSz cx="9144000" cy="6858000" type="screen4x3"/>
   <p:notesSz cx="7315200" cy="9601200"/>
@@ -281,7 +281,7 @@
               <a:pPr>
                 <a:defRPr/>
               </a:pPr>
-              <a:t>3/20/2018</a:t>
+              <a:t>4/24/18</a:t>
             </a:fld>
             <a:endParaRPr lang="en-US"/>
           </a:p>
@@ -993,7 +993,7 @@
     </p:spTree>
     <p:extLst>
       <p:ext uri="{BB962C8B-B14F-4D97-AF65-F5344CB8AC3E}">
-        <p14:creationId xmlns:p14="http://schemas.microsoft.com/office/powerpoint/2010/main" val="2433617412"/>
+        <p14:creationId xmlns:p14="http://schemas.microsoft.com/office/powerpoint/2010/main" val="1697317044"/>
       </p:ext>
     </p:extLst>
   </p:cSld>
@@ -3719,7 +3719,7 @@
           <p:cNvPr id="2" name="Title 1">
             <a:extLst>
               <a:ext uri="{FF2B5EF4-FFF2-40B4-BE49-F238E27FC236}">
-                <a16:creationId xmlns:a16="http://schemas.microsoft.com/office/drawing/2014/main" id="{5C287DE2-E1A2-4F41-96FE-94AF4425CB03}"/>
+                <a16:creationId xmlns:a16="http://schemas.microsoft.com/office/drawing/2014/main" xmlns="" id="{5C287DE2-E1A2-4F41-96FE-94AF4425CB03}"/>
               </a:ext>
             </a:extLst>
           </p:cNvPr>
@@ -3744,6 +3744,10 @@
             </a:lvl1pPr>
           </a:lstStyle>
           <a:p>
+            <a:r>
+              <a:rPr lang="en-US" dirty="0"/>
+              <a:t/>
+            </a:r>
             <a:br>
               <a:rPr lang="en-US" dirty="0"/>
             </a:br>
@@ -3754,27 +3758,59 @@
             <a:br>
               <a:rPr lang="en-US" dirty="0"/>
             </a:br>
+            <a:r>
+              <a:rPr lang="en-US" dirty="0"/>
+              <a:t/>
+            </a:r>
             <a:br>
               <a:rPr lang="en-US" dirty="0"/>
             </a:br>
+            <a:r>
+              <a:rPr lang="en-US" dirty="0"/>
+              <a:t/>
+            </a:r>
             <a:br>
               <a:rPr lang="en-US" dirty="0"/>
             </a:br>
+            <a:r>
+              <a:rPr lang="en-US" dirty="0"/>
+              <a:t/>
+            </a:r>
             <a:br>
               <a:rPr lang="en-US" dirty="0"/>
             </a:br>
+            <a:r>
+              <a:rPr lang="en-US" dirty="0"/>
+              <a:t/>
+            </a:r>
             <a:br>
               <a:rPr lang="en-US" dirty="0"/>
             </a:br>
+            <a:r>
+              <a:rPr lang="en-US" dirty="0"/>
+              <a:t/>
+            </a:r>
             <a:br>
               <a:rPr lang="en-US" dirty="0"/>
             </a:br>
+            <a:r>
+              <a:rPr lang="en-US" dirty="0"/>
+              <a:t/>
+            </a:r>
             <a:br>
               <a:rPr lang="en-US" dirty="0"/>
             </a:br>
+            <a:r>
+              <a:rPr lang="en-US" dirty="0"/>
+              <a:t/>
+            </a:r>
             <a:br>
               <a:rPr lang="en-US" dirty="0"/>
             </a:br>
+            <a:r>
+              <a:rPr lang="en-US" dirty="0"/>
+              <a:t/>
+            </a:r>
             <a:br>
               <a:rPr lang="en-US" dirty="0"/>
             </a:br>
@@ -3785,6 +3821,10 @@
             <a:br>
               <a:rPr lang="en-US" dirty="0"/>
             </a:br>
+            <a:r>
+              <a:rPr lang="en-US" dirty="0"/>
+              <a:t/>
+            </a:r>
             <a:br>
               <a:rPr lang="en-US" dirty="0"/>
             </a:br>
@@ -3795,6 +3835,10 @@
             <a:br>
               <a:rPr lang="en-US" dirty="0"/>
             </a:br>
+            <a:r>
+              <a:rPr lang="en-US" dirty="0"/>
+              <a:t/>
+            </a:r>
             <a:br>
               <a:rPr lang="en-US" dirty="0"/>
             </a:br>
@@ -3814,7 +3858,7 @@
           <p:cNvPr id="3" name="Slide Number Placeholder 2">
             <a:extLst>
               <a:ext uri="{FF2B5EF4-FFF2-40B4-BE49-F238E27FC236}">
-                <a16:creationId xmlns:a16="http://schemas.microsoft.com/office/drawing/2014/main" id="{7D2FFADE-E1BC-48C1-83AA-6DDDD39A33C4}"/>
+                <a16:creationId xmlns:a16="http://schemas.microsoft.com/office/drawing/2014/main" xmlns="" id="{7D2FFADE-E1BC-48C1-83AA-6DDDD39A33C4}"/>
               </a:ext>
             </a:extLst>
           </p:cNvPr>
@@ -3849,7 +3893,7 @@
           <p:cNvPr id="9" name="Picture 8">
             <a:extLst>
               <a:ext uri="{FF2B5EF4-FFF2-40B4-BE49-F238E27FC236}">
-                <a16:creationId xmlns:a16="http://schemas.microsoft.com/office/drawing/2014/main" id="{9CBFC76A-A606-42CF-BCDF-C73975C150B9}"/>
+                <a16:creationId xmlns:a16="http://schemas.microsoft.com/office/drawing/2014/main" xmlns="" id="{9CBFC76A-A606-42CF-BCDF-C73975C150B9}"/>
               </a:ext>
             </a:extLst>
           </p:cNvPr>
@@ -4815,6 +4859,14 @@
           <a:bodyPr/>
           <a:lstStyle/>
           <a:p>
+            <a:r>
+              <a:rPr lang="en-US" dirty="0">
+                <a:solidFill>
+                  <a:srgbClr val="FF00FF"/>
+                </a:solidFill>
+              </a:rPr>
+              <a:t/>
+            </a:r>
             <a:br>
               <a:rPr lang="en-US" dirty="0">
                 <a:solidFill>
@@ -4822,6 +4874,14 @@
                 </a:solidFill>
               </a:rPr>
             </a:br>
+            <a:r>
+              <a:rPr lang="en-US" dirty="0">
+                <a:solidFill>
+                  <a:srgbClr val="FF00FF"/>
+                </a:solidFill>
+              </a:rPr>
+              <a:t/>
+            </a:r>
             <a:br>
               <a:rPr lang="en-US" dirty="0">
                 <a:solidFill>
@@ -4925,6 +4985,14 @@
             <a:r>
               <a:rPr lang="en-US" dirty="0"/>
               <a:t>Information Assurance:</a:t>
+            </a:r>
+            <a:r>
+              <a:rPr lang="en-US" dirty="0">
+                <a:solidFill>
+                  <a:srgbClr val="FF00FF"/>
+                </a:solidFill>
+              </a:rPr>
+              <a:t/>
             </a:r>
             <a:br>
               <a:rPr lang="en-US" dirty="0">
@@ -6360,6 +6428,14 @@
             <a:r>
               <a:rPr lang="en-US" dirty="0"/>
               <a:t>Information Assurance:</a:t>
+            </a:r>
+            <a:r>
+              <a:rPr lang="en-US" dirty="0">
+                <a:solidFill>
+                  <a:srgbClr val="FF00FF"/>
+                </a:solidFill>
+              </a:rPr>
+              <a:t/>
             </a:r>
             <a:br>
               <a:rPr lang="en-US" dirty="0">
@@ -8108,7 +8184,7 @@
           <p:cNvPr id="2" name="Title 1">
             <a:extLst>
               <a:ext uri="{FF2B5EF4-FFF2-40B4-BE49-F238E27FC236}">
-                <a16:creationId xmlns:a16="http://schemas.microsoft.com/office/drawing/2014/main" id="{CF91DAED-3423-437E-AC01-FED216017D0A}"/>
+                <a16:creationId xmlns:a16="http://schemas.microsoft.com/office/drawing/2014/main" xmlns="" id="{CF91DAED-3423-437E-AC01-FED216017D0A}"/>
               </a:ext>
             </a:extLst>
           </p:cNvPr>
@@ -8136,7 +8212,7 @@
           <p:cNvPr id="4" name="Content Placeholder 3">
             <a:extLst>
               <a:ext uri="{FF2B5EF4-FFF2-40B4-BE49-F238E27FC236}">
-                <a16:creationId xmlns:a16="http://schemas.microsoft.com/office/drawing/2014/main" id="{A4FB07DF-4AB7-4E48-B372-C3F7CEFB1FE9}"/>
+                <a16:creationId xmlns:a16="http://schemas.microsoft.com/office/drawing/2014/main" xmlns="" id="{A4FB07DF-4AB7-4E48-B372-C3F7CEFB1FE9}"/>
               </a:ext>
             </a:extLst>
           </p:cNvPr>
@@ -8213,7 +8289,7 @@
           <p:cNvPr id="3" name="Slide Number Placeholder 2">
             <a:extLst>
               <a:ext uri="{FF2B5EF4-FFF2-40B4-BE49-F238E27FC236}">
-                <a16:creationId xmlns:a16="http://schemas.microsoft.com/office/drawing/2014/main" id="{C8C796D8-9D14-4A98-B2CA-C6E3F25E7E98}"/>
+                <a16:creationId xmlns:a16="http://schemas.microsoft.com/office/drawing/2014/main" xmlns="" id="{C8C796D8-9D14-4A98-B2CA-C6E3F25E7E98}"/>
               </a:ext>
             </a:extLst>
           </p:cNvPr>
@@ -8281,7 +8357,7 @@
           <p:cNvPr id="2" name="Title 1">
             <a:extLst>
               <a:ext uri="{FF2B5EF4-FFF2-40B4-BE49-F238E27FC236}">
-                <a16:creationId xmlns:a16="http://schemas.microsoft.com/office/drawing/2014/main" id="{069D14E5-7FBC-4600-8E60-1B48C0C63609}"/>
+                <a16:creationId xmlns:a16="http://schemas.microsoft.com/office/drawing/2014/main" xmlns="" id="{069D14E5-7FBC-4600-8E60-1B48C0C63609}"/>
               </a:ext>
             </a:extLst>
           </p:cNvPr>
@@ -8309,7 +8385,7 @@
           <p:cNvPr id="3" name="Content Placeholder 2">
             <a:extLst>
               <a:ext uri="{FF2B5EF4-FFF2-40B4-BE49-F238E27FC236}">
-                <a16:creationId xmlns:a16="http://schemas.microsoft.com/office/drawing/2014/main" id="{7124996D-C4BF-4373-BEBC-70A320FA1C12}"/>
+                <a16:creationId xmlns:a16="http://schemas.microsoft.com/office/drawing/2014/main" xmlns="" id="{7124996D-C4BF-4373-BEBC-70A320FA1C12}"/>
               </a:ext>
             </a:extLst>
           </p:cNvPr>
@@ -8350,7 +8426,7 @@
           <p:cNvPr id="4" name="Slide Number Placeholder 3">
             <a:extLst>
               <a:ext uri="{FF2B5EF4-FFF2-40B4-BE49-F238E27FC236}">
-                <a16:creationId xmlns:a16="http://schemas.microsoft.com/office/drawing/2014/main" id="{7958EBC5-60C0-48EF-B65F-DBB7A46E5546}"/>
+                <a16:creationId xmlns:a16="http://schemas.microsoft.com/office/drawing/2014/main" xmlns="" id="{7958EBC5-60C0-48EF-B65F-DBB7A46E5546}"/>
               </a:ext>
             </a:extLst>
           </p:cNvPr>
@@ -8415,35 +8491,10 @@
       </p:grpSpPr>
       <p:sp>
         <p:nvSpPr>
-          <p:cNvPr id="11" name="Title 10">
-            <a:extLst>
-              <a:ext uri="{FF2B5EF4-FFF2-40B4-BE49-F238E27FC236}">
-                <a16:creationId xmlns:a16="http://schemas.microsoft.com/office/drawing/2014/main" id="{1F52A716-5142-4987-84C0-078D1007C406}"/>
-              </a:ext>
-            </a:extLst>
-          </p:cNvPr>
-          <p:cNvSpPr>
-            <a:spLocks noGrp="1"/>
-          </p:cNvSpPr>
-          <p:nvPr>
-            <p:ph type="title"/>
-          </p:nvPr>
-        </p:nvSpPr>
-        <p:spPr/>
-        <p:txBody>
-          <a:bodyPr/>
-          <a:lstStyle/>
-          <a:p>
-            <a:endParaRPr lang="en-US" dirty="0"/>
-          </a:p>
-        </p:txBody>
-      </p:sp>
-      <p:sp>
-        <p:nvSpPr>
           <p:cNvPr id="7" name="Slide Number Placeholder 6">
             <a:extLst>
               <a:ext uri="{FF2B5EF4-FFF2-40B4-BE49-F238E27FC236}">
-                <a16:creationId xmlns:a16="http://schemas.microsoft.com/office/drawing/2014/main" id="{27B55DC7-B95B-4807-B808-1E7A81E0F45A}"/>
+                <a16:creationId xmlns="" xmlns:a16="http://schemas.microsoft.com/office/drawing/2014/main" id="{27B55DC7-B95B-4807-B808-1E7A81E0F45A}"/>
               </a:ext>
             </a:extLst>
           </p:cNvPr>
@@ -8468,13 +8519,333 @@
           </a:p>
         </p:txBody>
       </p:sp>
+      <p:sp>
+        <p:nvSpPr>
+          <p:cNvPr id="19" name="Text Placeholder 7">
+            <a:extLst>
+              <a:ext uri="{FF2B5EF4-FFF2-40B4-BE49-F238E27FC236}">
+                <a16:creationId xmlns="" xmlns:a16="http://schemas.microsoft.com/office/drawing/2014/main" id="{2785A2B3-FCF4-4D59-9841-12917D91B27A}"/>
+              </a:ext>
+            </a:extLst>
+          </p:cNvPr>
+          <p:cNvSpPr txBox="1">
+            <a:spLocks/>
+          </p:cNvSpPr>
+          <p:nvPr/>
+        </p:nvSpPr>
+        <p:spPr>
+          <a:xfrm>
+            <a:off x="725683" y="871606"/>
+            <a:ext cx="7893050" cy="5114787"/>
+          </a:xfrm>
+          <a:prstGeom prst="rect">
+            <a:avLst/>
+          </a:prstGeom>
+        </p:spPr>
+        <p:txBody>
+          <a:bodyPr/>
+          <a:lstStyle>
+            <a:lvl1pPr marL="0" indent="0" algn="ctr" defTabSz="685800" rtl="0" eaLnBrk="0" fontAlgn="base" hangingPunct="0">
+              <a:lnSpc>
+                <a:spcPct val="90000"/>
+              </a:lnSpc>
+              <a:spcBef>
+                <a:spcPts val="750"/>
+              </a:spcBef>
+              <a:spcAft>
+                <a:spcPct val="0"/>
+              </a:spcAft>
+              <a:buFont typeface="Arial" charset="0"/>
+              <a:buNone/>
+              <a:defRPr sz="1800" kern="1200">
+                <a:solidFill>
+                  <a:schemeClr val="tx1"/>
+                </a:solidFill>
+                <a:latin typeface="+mn-lt"/>
+                <a:ea typeface="+mn-ea"/>
+                <a:cs typeface="+mn-cs"/>
+              </a:defRPr>
+            </a:lvl1pPr>
+            <a:lvl2pPr marL="514350" indent="-171450" algn="l" defTabSz="685800" rtl="0" eaLnBrk="0" fontAlgn="base" hangingPunct="0">
+              <a:lnSpc>
+                <a:spcPct val="90000"/>
+              </a:lnSpc>
+              <a:spcBef>
+                <a:spcPts val="375"/>
+              </a:spcBef>
+              <a:spcAft>
+                <a:spcPct val="0"/>
+              </a:spcAft>
+              <a:buFont typeface="Arial" charset="0"/>
+              <a:buChar char="•"/>
+              <a:defRPr sz="2400" kern="1200">
+                <a:solidFill>
+                  <a:schemeClr val="tx1"/>
+                </a:solidFill>
+                <a:latin typeface="+mn-lt"/>
+                <a:ea typeface="+mn-ea"/>
+                <a:cs typeface="+mn-cs"/>
+              </a:defRPr>
+            </a:lvl2pPr>
+            <a:lvl3pPr marL="857250" indent="-171450" algn="l" defTabSz="685800" rtl="0" eaLnBrk="0" fontAlgn="base" hangingPunct="0">
+              <a:lnSpc>
+                <a:spcPct val="90000"/>
+              </a:lnSpc>
+              <a:spcBef>
+                <a:spcPts val="375"/>
+              </a:spcBef>
+              <a:spcAft>
+                <a:spcPct val="0"/>
+              </a:spcAft>
+              <a:buFont typeface="Arial" charset="0"/>
+              <a:buChar char="•"/>
+              <a:defRPr sz="1800" kern="1200">
+                <a:solidFill>
+                  <a:schemeClr val="tx1"/>
+                </a:solidFill>
+                <a:latin typeface="+mn-lt"/>
+                <a:ea typeface="+mn-ea"/>
+                <a:cs typeface="+mn-cs"/>
+              </a:defRPr>
+            </a:lvl3pPr>
+            <a:lvl4pPr marL="1200150" indent="-171450" algn="l" defTabSz="685800" rtl="0" eaLnBrk="0" fontAlgn="base" hangingPunct="0">
+              <a:lnSpc>
+                <a:spcPct val="90000"/>
+              </a:lnSpc>
+              <a:spcBef>
+                <a:spcPts val="375"/>
+              </a:spcBef>
+              <a:spcAft>
+                <a:spcPct val="0"/>
+              </a:spcAft>
+              <a:buFont typeface="Arial" charset="0"/>
+              <a:buChar char="•"/>
+              <a:defRPr sz="1600" kern="1200">
+                <a:solidFill>
+                  <a:schemeClr val="tx1"/>
+                </a:solidFill>
+                <a:latin typeface="+mn-lt"/>
+                <a:ea typeface="+mn-ea"/>
+                <a:cs typeface="+mn-cs"/>
+              </a:defRPr>
+            </a:lvl4pPr>
+            <a:lvl5pPr marL="1543050" indent="-171450" algn="l" defTabSz="685800" rtl="0" eaLnBrk="0" fontAlgn="base" hangingPunct="0">
+              <a:lnSpc>
+                <a:spcPct val="90000"/>
+              </a:lnSpc>
+              <a:spcBef>
+                <a:spcPts val="375"/>
+              </a:spcBef>
+              <a:spcAft>
+                <a:spcPct val="0"/>
+              </a:spcAft>
+              <a:buFont typeface="Arial" charset="0"/>
+              <a:buChar char="•"/>
+              <a:defRPr sz="1600" kern="1200">
+                <a:solidFill>
+                  <a:schemeClr val="tx1"/>
+                </a:solidFill>
+                <a:latin typeface="+mn-lt"/>
+                <a:ea typeface="+mn-ea"/>
+                <a:cs typeface="+mn-cs"/>
+              </a:defRPr>
+            </a:lvl5pPr>
+            <a:lvl6pPr marL="1885950" indent="-171450" algn="l" defTabSz="685800" rtl="0" eaLnBrk="1" latinLnBrk="0" hangingPunct="1">
+              <a:lnSpc>
+                <a:spcPct val="90000"/>
+              </a:lnSpc>
+              <a:spcBef>
+                <a:spcPts val="375"/>
+              </a:spcBef>
+              <a:buFont typeface="Arial" panose="020B0604020202020204" pitchFamily="34" charset="0"/>
+              <a:buChar char="•"/>
+              <a:defRPr sz="1350" kern="1200">
+                <a:solidFill>
+                  <a:schemeClr val="tx1"/>
+                </a:solidFill>
+                <a:latin typeface="+mn-lt"/>
+                <a:ea typeface="+mn-ea"/>
+                <a:cs typeface="+mn-cs"/>
+              </a:defRPr>
+            </a:lvl6pPr>
+            <a:lvl7pPr marL="2228850" indent="-171450" algn="l" defTabSz="685800" rtl="0" eaLnBrk="1" latinLnBrk="0" hangingPunct="1">
+              <a:lnSpc>
+                <a:spcPct val="90000"/>
+              </a:lnSpc>
+              <a:spcBef>
+                <a:spcPts val="375"/>
+              </a:spcBef>
+              <a:buFont typeface="Arial" panose="020B0604020202020204" pitchFamily="34" charset="0"/>
+              <a:buChar char="•"/>
+              <a:defRPr sz="1350" kern="1200">
+                <a:solidFill>
+                  <a:schemeClr val="tx1"/>
+                </a:solidFill>
+                <a:latin typeface="+mn-lt"/>
+                <a:ea typeface="+mn-ea"/>
+                <a:cs typeface="+mn-cs"/>
+              </a:defRPr>
+            </a:lvl7pPr>
+            <a:lvl8pPr marL="2571750" indent="-171450" algn="l" defTabSz="685800" rtl="0" eaLnBrk="1" latinLnBrk="0" hangingPunct="1">
+              <a:lnSpc>
+                <a:spcPct val="90000"/>
+              </a:lnSpc>
+              <a:spcBef>
+                <a:spcPts val="375"/>
+              </a:spcBef>
+              <a:buFont typeface="Arial" panose="020B0604020202020204" pitchFamily="34" charset="0"/>
+              <a:buChar char="•"/>
+              <a:defRPr sz="1350" kern="1200">
+                <a:solidFill>
+                  <a:schemeClr val="tx1"/>
+                </a:solidFill>
+                <a:latin typeface="+mn-lt"/>
+                <a:ea typeface="+mn-ea"/>
+                <a:cs typeface="+mn-cs"/>
+              </a:defRPr>
+            </a:lvl8pPr>
+            <a:lvl9pPr marL="2914650" indent="-171450" algn="l" defTabSz="685800" rtl="0" eaLnBrk="1" latinLnBrk="0" hangingPunct="1">
+              <a:lnSpc>
+                <a:spcPct val="90000"/>
+              </a:lnSpc>
+              <a:spcBef>
+                <a:spcPts val="375"/>
+              </a:spcBef>
+              <a:buFont typeface="Arial" panose="020B0604020202020204" pitchFamily="34" charset="0"/>
+              <a:buChar char="•"/>
+              <a:defRPr sz="1350" kern="1200">
+                <a:solidFill>
+                  <a:schemeClr val="tx1"/>
+                </a:solidFill>
+                <a:latin typeface="+mn-lt"/>
+                <a:ea typeface="+mn-ea"/>
+                <a:cs typeface="+mn-cs"/>
+              </a:defRPr>
+            </a:lvl9pPr>
+          </a:lstStyle>
+          <a:p>
+            <a:r>
+              <a:rPr lang="en-US" dirty="0"/>
+              <a:t>Please attribute Dr. Jim Alves-Foss and Dr. Jia Song, University of Idaho</a:t>
+            </a:r>
+            <a:br>
+              <a:rPr lang="en-US" dirty="0"/>
+            </a:br>
+            <a:r>
+              <a:rPr lang="en-US" dirty="0"/>
+              <a:t/>
+            </a:r>
+            <a:br>
+              <a:rPr lang="en-US" dirty="0"/>
+            </a:br>
+            <a:r>
+              <a:rPr lang="en-US" dirty="0"/>
+              <a:t/>
+            </a:r>
+            <a:br>
+              <a:rPr lang="en-US" dirty="0"/>
+            </a:br>
+            <a:r>
+              <a:rPr lang="en-US" dirty="0"/>
+              <a:t/>
+            </a:r>
+            <a:br>
+              <a:rPr lang="en-US" dirty="0"/>
+            </a:br>
+            <a:r>
+              <a:rPr lang="en-US" dirty="0"/>
+              <a:t/>
+            </a:r>
+            <a:br>
+              <a:rPr lang="en-US" dirty="0"/>
+            </a:br>
+            <a:r>
+              <a:rPr lang="en-US" dirty="0"/>
+              <a:t/>
+            </a:r>
+            <a:br>
+              <a:rPr lang="en-US" dirty="0"/>
+            </a:br>
+            <a:r>
+              <a:rPr lang="en-US" dirty="0"/>
+              <a:t/>
+            </a:r>
+            <a:br>
+              <a:rPr lang="en-US" dirty="0"/>
+            </a:br>
+            <a:r>
+              <a:rPr lang="en-US" dirty="0"/>
+              <a:t/>
+            </a:r>
+            <a:br>
+              <a:rPr lang="en-US" dirty="0"/>
+            </a:br>
+            <a:endParaRPr lang="en-US" dirty="0"/>
+          </a:p>
+          <a:p>
+            <a:r>
+              <a:rPr lang="en-US" sz="1600" dirty="0"/>
+              <a:t>Except where otherwise noted, this work is licensed under https://creativecommons.org/licenses/by-nc-sa/4.0/</a:t>
+            </a:r>
+            <a:br>
+              <a:rPr lang="en-US" sz="1600" dirty="0"/>
+            </a:br>
+            <a:r>
+              <a:rPr lang="en-US" sz="1600" dirty="0"/>
+              <a:t/>
+            </a:r>
+            <a:br>
+              <a:rPr lang="en-US" sz="1600" dirty="0"/>
+            </a:br>
+            <a:r>
+              <a:rPr lang="en-US" sz="1600" dirty="0"/>
+              <a:t>Not withstanding the non-commercial license terms, non-profit educational institutions are granted a non-exclusive license to adapt and use this material, with attribution.</a:t>
+            </a:r>
+            <a:br>
+              <a:rPr lang="en-US" sz="1600" dirty="0"/>
+            </a:br>
+            <a:r>
+              <a:rPr lang="en-US" sz="1600" dirty="0"/>
+              <a:t/>
+            </a:r>
+            <a:br>
+              <a:rPr lang="en-US" sz="1600" dirty="0"/>
+            </a:br>
+            <a:r>
+              <a:rPr lang="en-US" sz="1600" dirty="0"/>
+              <a:t>Creative Commons and the double C in a circle are registered trademarks of Creative commons in the United States and other countries. Third party marks and brands are the property of their respective holders</a:t>
+            </a:r>
+            <a:r>
+              <a:rPr lang="en-US" sz="1600" dirty="0" smtClean="0"/>
+              <a:t>.</a:t>
+            </a:r>
+          </a:p>
+          <a:p>
+            <a:r>
+              <a:rPr lang="en-US" sz="1600" dirty="0"/>
+              <a:t>Project sponsored by the National Security Agency under grant Number </a:t>
+            </a:r>
+            <a:r>
+              <a:rPr lang="en-US" sz="1600" dirty="0" smtClean="0"/>
+              <a:t>H98230-17-1-0199. The </a:t>
+            </a:r>
+            <a:r>
+              <a:rPr lang="en-US" sz="1600" dirty="0"/>
+              <a:t>United States Government is authorized to reproduce and distribute reprints notwithstanding any copyright notation herein.</a:t>
+            </a:r>
+          </a:p>
+          <a:p>
+            <a:endParaRPr lang="en-US" sz="1600" dirty="0"/>
+          </a:p>
+        </p:txBody>
+      </p:sp>
     </p:spTree>
     <p:custDataLst>
       <p:tags r:id="rId1"/>
     </p:custDataLst>
     <p:extLst>
       <p:ext uri="{BB962C8B-B14F-4D97-AF65-F5344CB8AC3E}">
-        <p14:creationId xmlns:p14="http://schemas.microsoft.com/office/powerpoint/2010/main" val="1892705052"/>
+        <p14:creationId xmlns:p14="http://schemas.microsoft.com/office/powerpoint/2010/main" val="1529162499"/>
       </p:ext>
     </p:extLst>
   </p:cSld>
@@ -8578,7 +8949,7 @@
           <p:cNvPr id="3" name="Slide Number Placeholder 2">
             <a:extLst>
               <a:ext uri="{FF2B5EF4-FFF2-40B4-BE49-F238E27FC236}">
-                <a16:creationId xmlns:a16="http://schemas.microsoft.com/office/drawing/2014/main" id="{0B1163B0-19D9-4859-8B88-CD4B646011C3}"/>
+                <a16:creationId xmlns:a16="http://schemas.microsoft.com/office/drawing/2014/main" xmlns="" id="{0B1163B0-19D9-4859-8B88-CD4B646011C3}"/>
               </a:ext>
             </a:extLst>
           </p:cNvPr>
@@ -8649,6 +9020,14 @@
             <a:r>
               <a:rPr lang="en-US" dirty="0"/>
               <a:t>Information Assurance:</a:t>
+            </a:r>
+            <a:r>
+              <a:rPr lang="en-US" dirty="0">
+                <a:solidFill>
+                  <a:srgbClr val="FF00FF"/>
+                </a:solidFill>
+              </a:rPr>
+              <a:t/>
             </a:r>
             <a:br>
               <a:rPr lang="en-US" dirty="0">
@@ -9087,6 +9466,14 @@
             <a:r>
               <a:rPr lang="en-US" dirty="0"/>
               <a:t>Information Assurance:</a:t>
+            </a:r>
+            <a:r>
+              <a:rPr lang="en-US" dirty="0">
+                <a:solidFill>
+                  <a:srgbClr val="FF00FF"/>
+                </a:solidFill>
+              </a:rPr>
+              <a:t/>
             </a:r>
             <a:br>
               <a:rPr lang="en-US" dirty="0">
@@ -9642,6 +10029,14 @@
             <a:r>
               <a:rPr lang="en-US" dirty="0"/>
               <a:t>Information Assurance:</a:t>
+            </a:r>
+            <a:r>
+              <a:rPr lang="en-US" dirty="0">
+                <a:solidFill>
+                  <a:srgbClr val="FF00FF"/>
+                </a:solidFill>
+              </a:rPr>
+              <a:t/>
             </a:r>
             <a:br>
               <a:rPr lang="en-US" dirty="0">
@@ -10250,6 +10645,14 @@
               <a:rPr lang="en-US" dirty="0"/>
               <a:t>Information Assurance:</a:t>
             </a:r>
+            <a:r>
+              <a:rPr lang="en-US" dirty="0">
+                <a:solidFill>
+                  <a:srgbClr val="FF00FF"/>
+                </a:solidFill>
+              </a:rPr>
+              <a:t/>
+            </a:r>
             <a:br>
               <a:rPr lang="en-US" dirty="0">
                 <a:solidFill>
@@ -10912,6 +11315,14 @@
               <a:rPr lang="en-US" dirty="0"/>
               <a:t>Information Assurance:</a:t>
             </a:r>
+            <a:r>
+              <a:rPr lang="en-US" dirty="0">
+                <a:solidFill>
+                  <a:srgbClr val="FF00FF"/>
+                </a:solidFill>
+              </a:rPr>
+              <a:t/>
+            </a:r>
             <a:br>
               <a:rPr lang="en-US" dirty="0">
                 <a:solidFill>
@@ -11735,6 +12146,14 @@
             <a:r>
               <a:rPr lang="en-US" dirty="0"/>
               <a:t>Information Assurance:</a:t>
+            </a:r>
+            <a:r>
+              <a:rPr lang="en-US" dirty="0">
+                <a:solidFill>
+                  <a:srgbClr val="FF00FF"/>
+                </a:solidFill>
+              </a:rPr>
+              <a:t/>
             </a:r>
             <a:br>
               <a:rPr lang="en-US" dirty="0">
@@ -12705,6 +13124,14 @@
             <a:r>
               <a:rPr lang="en-US" dirty="0"/>
               <a:t>Information Assurance:</a:t>
+            </a:r>
+            <a:r>
+              <a:rPr lang="en-US" dirty="0">
+                <a:solidFill>
+                  <a:srgbClr val="FF00FF"/>
+                </a:solidFill>
+              </a:rPr>
+              <a:t/>
             </a:r>
             <a:br>
               <a:rPr lang="en-US" dirty="0">
